--- a/ゼミ.pptx
+++ b/ゼミ.pptx
@@ -352,7 +352,7 @@
           <a:p>
             <a:fld id="{7CA21BA1-E245-F34B-A21F-999F2D38C30D}" type="datetimeFigureOut">
               <a:rPr kumimoji="1" lang="ja-JP" altLang="en-US" smtClean="0"/>
-              <a:t>2021/5/7</a:t>
+              <a:t>2021/6/1</a:t>
             </a:fld>
             <a:endParaRPr kumimoji="1" lang="ja-JP" altLang="en-US"/>
           </a:p>
@@ -817,8 +817,8 @@
         </p:nvSpPr>
         <p:spPr/>
       </p:sp>
-      <mc:AlternateContent xmlns:mc="http://schemas.openxmlformats.org/markup-compatibility/2006">
-        <mc:Choice xmlns:a14="http://schemas.microsoft.com/office/drawing/2010/main" Requires="a14">
+      <mc:AlternateContent xmlns:mc="http://schemas.openxmlformats.org/markup-compatibility/2006" xmlns:a14="http://schemas.microsoft.com/office/drawing/2010/main">
+        <mc:Choice Requires="a14">
           <p:sp>
             <p:nvSpPr>
               <p:cNvPr id="3" name="ノート プレースホルダー 2"/>
@@ -1406,7 +1406,7 @@
             </p:txBody>
           </p:sp>
         </mc:Choice>
-        <mc:Fallback>
+        <mc:Fallback xmlns="">
           <p:sp>
             <p:nvSpPr>
               <p:cNvPr id="3" name="ノート プレースホルダー 2"/>
@@ -3464,7 +3464,7 @@
           <a:p>
             <a:fld id="{A2269BCB-40BC-DD4F-9002-09B4B1D0859E}" type="datetimeFigureOut">
               <a:rPr kumimoji="1" lang="ja-JP" altLang="en-US" smtClean="0"/>
-              <a:t>2021/5/7</a:t>
+              <a:t>2021/6/1</a:t>
             </a:fld>
             <a:endParaRPr kumimoji="1" lang="ja-JP" altLang="en-US"/>
           </a:p>
@@ -3694,7 +3694,7 @@
           <a:p>
             <a:fld id="{A2269BCB-40BC-DD4F-9002-09B4B1D0859E}" type="datetimeFigureOut">
               <a:rPr kumimoji="1" lang="ja-JP" altLang="en-US" smtClean="0"/>
-              <a:t>2021/5/7</a:t>
+              <a:t>2021/6/1</a:t>
             </a:fld>
             <a:endParaRPr kumimoji="1" lang="ja-JP" altLang="en-US"/>
           </a:p>
@@ -3934,7 +3934,7 @@
           <a:p>
             <a:fld id="{A2269BCB-40BC-DD4F-9002-09B4B1D0859E}" type="datetimeFigureOut">
               <a:rPr kumimoji="1" lang="ja-JP" altLang="en-US" smtClean="0"/>
-              <a:t>2021/5/7</a:t>
+              <a:t>2021/6/1</a:t>
             </a:fld>
             <a:endParaRPr kumimoji="1" lang="ja-JP" altLang="en-US"/>
           </a:p>
@@ -4164,7 +4164,7 @@
           <a:p>
             <a:fld id="{A2269BCB-40BC-DD4F-9002-09B4B1D0859E}" type="datetimeFigureOut">
               <a:rPr kumimoji="1" lang="ja-JP" altLang="en-US" smtClean="0"/>
-              <a:t>2021/5/7</a:t>
+              <a:t>2021/6/1</a:t>
             </a:fld>
             <a:endParaRPr kumimoji="1" lang="ja-JP" altLang="en-US"/>
           </a:p>
@@ -4439,7 +4439,7 @@
           <a:p>
             <a:fld id="{A2269BCB-40BC-DD4F-9002-09B4B1D0859E}" type="datetimeFigureOut">
               <a:rPr kumimoji="1" lang="ja-JP" altLang="en-US" smtClean="0"/>
-              <a:t>2021/5/7</a:t>
+              <a:t>2021/6/1</a:t>
             </a:fld>
             <a:endParaRPr kumimoji="1" lang="ja-JP" altLang="en-US"/>
           </a:p>
@@ -4768,7 +4768,7 @@
           <a:p>
             <a:fld id="{A2269BCB-40BC-DD4F-9002-09B4B1D0859E}" type="datetimeFigureOut">
               <a:rPr kumimoji="1" lang="ja-JP" altLang="en-US" smtClean="0"/>
-              <a:t>2021/5/7</a:t>
+              <a:t>2021/6/1</a:t>
             </a:fld>
             <a:endParaRPr kumimoji="1" lang="ja-JP" altLang="en-US"/>
           </a:p>
@@ -5244,7 +5244,7 @@
           <a:p>
             <a:fld id="{A2269BCB-40BC-DD4F-9002-09B4B1D0859E}" type="datetimeFigureOut">
               <a:rPr kumimoji="1" lang="ja-JP" altLang="en-US" smtClean="0"/>
-              <a:t>2021/5/7</a:t>
+              <a:t>2021/6/1</a:t>
             </a:fld>
             <a:endParaRPr kumimoji="1" lang="ja-JP" altLang="en-US"/>
           </a:p>
@@ -5385,7 +5385,7 @@
           <a:p>
             <a:fld id="{A2269BCB-40BC-DD4F-9002-09B4B1D0859E}" type="datetimeFigureOut">
               <a:rPr kumimoji="1" lang="ja-JP" altLang="en-US" smtClean="0"/>
-              <a:t>2021/5/7</a:t>
+              <a:t>2021/6/1</a:t>
             </a:fld>
             <a:endParaRPr kumimoji="1" lang="ja-JP" altLang="en-US"/>
           </a:p>
@@ -5498,7 +5498,7 @@
           <a:p>
             <a:fld id="{A2269BCB-40BC-DD4F-9002-09B4B1D0859E}" type="datetimeFigureOut">
               <a:rPr kumimoji="1" lang="ja-JP" altLang="en-US" smtClean="0"/>
-              <a:t>2021/5/7</a:t>
+              <a:t>2021/6/1</a:t>
             </a:fld>
             <a:endParaRPr kumimoji="1" lang="ja-JP" altLang="en-US"/>
           </a:p>
@@ -5841,7 +5841,7 @@
           <a:p>
             <a:fld id="{A2269BCB-40BC-DD4F-9002-09B4B1D0859E}" type="datetimeFigureOut">
               <a:rPr kumimoji="1" lang="ja-JP" altLang="en-US" smtClean="0"/>
-              <a:t>2021/5/7</a:t>
+              <a:t>2021/6/1</a:t>
             </a:fld>
             <a:endParaRPr kumimoji="1" lang="ja-JP" altLang="en-US"/>
           </a:p>
@@ -6129,7 +6129,7 @@
           <a:p>
             <a:fld id="{A2269BCB-40BC-DD4F-9002-09B4B1D0859E}" type="datetimeFigureOut">
               <a:rPr kumimoji="1" lang="ja-JP" altLang="en-US" smtClean="0"/>
-              <a:t>2021/5/7</a:t>
+              <a:t>2021/6/1</a:t>
             </a:fld>
             <a:endParaRPr kumimoji="1" lang="ja-JP" altLang="en-US"/>
           </a:p>
@@ -6402,7 +6402,7 @@
           <a:p>
             <a:fld id="{A2269BCB-40BC-DD4F-9002-09B4B1D0859E}" type="datetimeFigureOut">
               <a:rPr kumimoji="1" lang="ja-JP" altLang="en-US" smtClean="0"/>
-              <a:t>2021/5/7</a:t>
+              <a:t>2021/6/1</a:t>
             </a:fld>
             <a:endParaRPr kumimoji="1" lang="ja-JP" altLang="en-US"/>
           </a:p>
@@ -7870,8 +7870,8 @@
           </a:prstGeom>
         </p:spPr>
       </p:pic>
-      <mc:AlternateContent xmlns:mc="http://schemas.openxmlformats.org/markup-compatibility/2006">
-        <mc:Choice xmlns:p14="http://schemas.microsoft.com/office/powerpoint/2010/main" Requires="p14">
+      <mc:AlternateContent xmlns:mc="http://schemas.openxmlformats.org/markup-compatibility/2006" xmlns:p14="http://schemas.microsoft.com/office/powerpoint/2010/main">
+        <mc:Choice Requires="p14">
           <p:contentPart p14:bwMode="auto" r:id="rId4">
             <p14:nvContentPartPr>
               <p14:cNvPr id="6" name="インク 5">
@@ -7890,7 +7890,7 @@
             </p14:xfrm>
           </p:contentPart>
         </mc:Choice>
-        <mc:Fallback>
+        <mc:Fallback xmlns="">
           <p:pic>
             <p:nvPicPr>
               <p:cNvPr id="6" name="インク 5">
@@ -7921,8 +7921,8 @@
           </p:pic>
         </mc:Fallback>
       </mc:AlternateContent>
-      <mc:AlternateContent xmlns:mc="http://schemas.openxmlformats.org/markup-compatibility/2006">
-        <mc:Choice xmlns:p14="http://schemas.microsoft.com/office/powerpoint/2010/main" Requires="p14">
+      <mc:AlternateContent xmlns:mc="http://schemas.openxmlformats.org/markup-compatibility/2006" xmlns:p14="http://schemas.microsoft.com/office/powerpoint/2010/main">
+        <mc:Choice Requires="p14">
           <p:contentPart p14:bwMode="auto" r:id="rId6">
             <p14:nvContentPartPr>
               <p14:cNvPr id="7" name="インク 6">
@@ -7941,7 +7941,7 @@
             </p14:xfrm>
           </p:contentPart>
         </mc:Choice>
-        <mc:Fallback>
+        <mc:Fallback xmlns="">
           <p:pic>
             <p:nvPicPr>
               <p:cNvPr id="7" name="インク 6">
@@ -7992,8 +7992,8 @@
             <a:chExt cx="144360" cy="9000"/>
           </a:xfrm>
         </p:grpSpPr>
-        <mc:AlternateContent xmlns:mc="http://schemas.openxmlformats.org/markup-compatibility/2006">
-          <mc:Choice xmlns:p14="http://schemas.microsoft.com/office/powerpoint/2010/main" Requires="p14">
+        <mc:AlternateContent xmlns:mc="http://schemas.openxmlformats.org/markup-compatibility/2006" xmlns:p14="http://schemas.microsoft.com/office/powerpoint/2010/main">
+          <mc:Choice Requires="p14">
             <p:contentPart p14:bwMode="auto" r:id="rId8">
               <p14:nvContentPartPr>
                 <p14:cNvPr id="9" name="インク 8">
@@ -8012,7 +8012,7 @@
               </p14:xfrm>
             </p:contentPart>
           </mc:Choice>
-          <mc:Fallback>
+          <mc:Fallback xmlns="">
             <p:pic>
               <p:nvPicPr>
                 <p:cNvPr id="9" name="インク 8">
@@ -8043,8 +8043,8 @@
             </p:pic>
           </mc:Fallback>
         </mc:AlternateContent>
-        <mc:AlternateContent xmlns:mc="http://schemas.openxmlformats.org/markup-compatibility/2006">
-          <mc:Choice xmlns:p14="http://schemas.microsoft.com/office/powerpoint/2010/main" Requires="p14">
+        <mc:AlternateContent xmlns:mc="http://schemas.openxmlformats.org/markup-compatibility/2006" xmlns:p14="http://schemas.microsoft.com/office/powerpoint/2010/main">
+          <mc:Choice Requires="p14">
             <p:contentPart p14:bwMode="auto" r:id="rId10">
               <p14:nvContentPartPr>
                 <p14:cNvPr id="10" name="インク 9">
@@ -8063,7 +8063,7 @@
               </p14:xfrm>
             </p:contentPart>
           </mc:Choice>
-          <mc:Fallback>
+          <mc:Fallback xmlns="">
             <p:pic>
               <p:nvPicPr>
                 <p:cNvPr id="10" name="インク 9">
@@ -8094,8 +8094,8 @@
             </p:pic>
           </mc:Fallback>
         </mc:AlternateContent>
-        <mc:AlternateContent xmlns:mc="http://schemas.openxmlformats.org/markup-compatibility/2006">
-          <mc:Choice xmlns:p14="http://schemas.microsoft.com/office/powerpoint/2010/main" Requires="p14">
+        <mc:AlternateContent xmlns:mc="http://schemas.openxmlformats.org/markup-compatibility/2006" xmlns:p14="http://schemas.microsoft.com/office/powerpoint/2010/main">
+          <mc:Choice Requires="p14">
             <p:contentPart p14:bwMode="auto" r:id="rId11">
               <p14:nvContentPartPr>
                 <p14:cNvPr id="11" name="インク 10">
@@ -8114,7 +8114,7 @@
               </p14:xfrm>
             </p:contentPart>
           </mc:Choice>
-          <mc:Fallback>
+          <mc:Fallback xmlns="">
             <p:pic>
               <p:nvPicPr>
                 <p:cNvPr id="11" name="インク 10">
@@ -9410,8 +9410,8 @@
           </a:p>
         </p:txBody>
       </p:sp>
-      <mc:AlternateContent xmlns:mc="http://schemas.openxmlformats.org/markup-compatibility/2006">
-        <mc:Choice xmlns:a14="http://schemas.microsoft.com/office/drawing/2010/main" Requires="a14">
+      <mc:AlternateContent xmlns:mc="http://schemas.openxmlformats.org/markup-compatibility/2006" xmlns:a14="http://schemas.microsoft.com/office/drawing/2010/main">
+        <mc:Choice Requires="a14">
           <p:sp>
             <p:nvSpPr>
               <p:cNvPr id="3" name="コンテンツ プレースホルダー 2">
@@ -10664,7 +10664,7 @@
             </p:txBody>
           </p:sp>
         </mc:Choice>
-        <mc:Fallback>
+        <mc:Fallback xmlns="">
           <p:sp>
             <p:nvSpPr>
               <p:cNvPr id="3" name="コンテンツ プレースホルダー 2">
@@ -10762,8 +10762,8 @@
           </a:p>
         </p:txBody>
       </p:sp>
-      <mc:AlternateContent xmlns:mc="http://schemas.openxmlformats.org/markup-compatibility/2006">
-        <mc:Choice xmlns:a14="http://schemas.microsoft.com/office/drawing/2010/main" Requires="a14">
+      <mc:AlternateContent xmlns:mc="http://schemas.openxmlformats.org/markup-compatibility/2006" xmlns:a14="http://schemas.microsoft.com/office/drawing/2010/main">
+        <mc:Choice Requires="a14">
           <p:sp>
             <p:nvSpPr>
               <p:cNvPr id="3" name="コンテンツ プレースホルダー 2">
@@ -11564,7 +11564,7 @@
             </p:txBody>
           </p:sp>
         </mc:Choice>
-        <mc:Fallback>
+        <mc:Fallback xmlns="">
           <p:sp>
             <p:nvSpPr>
               <p:cNvPr id="3" name="コンテンツ プレースホルダー 2">
